--- a/Notebooks/back_propagation.pptx
+++ b/Notebooks/back_propagation.pptx
@@ -274,7 +274,7 @@
           <a:p>
             <a:fld id="{545E632C-24CE-9E42-9D0E-D5A1AB065184}" type="datetimeFigureOut">
               <a:rPr lang="en-US" smtClean="0"/>
-              <a:t>9/2/23</a:t>
+              <a:t>9/4/23</a:t>
             </a:fld>
             <a:endParaRPr lang="en-US"/>
           </a:p>
@@ -472,7 +472,7 @@
           <a:p>
             <a:fld id="{545E632C-24CE-9E42-9D0E-D5A1AB065184}" type="datetimeFigureOut">
               <a:rPr lang="en-US" smtClean="0"/>
-              <a:t>9/2/23</a:t>
+              <a:t>9/4/23</a:t>
             </a:fld>
             <a:endParaRPr lang="en-US"/>
           </a:p>
@@ -680,7 +680,7 @@
           <a:p>
             <a:fld id="{545E632C-24CE-9E42-9D0E-D5A1AB065184}" type="datetimeFigureOut">
               <a:rPr lang="en-US" smtClean="0"/>
-              <a:t>9/2/23</a:t>
+              <a:t>9/4/23</a:t>
             </a:fld>
             <a:endParaRPr lang="en-US"/>
           </a:p>
@@ -878,7 +878,7 @@
           <a:p>
             <a:fld id="{545E632C-24CE-9E42-9D0E-D5A1AB065184}" type="datetimeFigureOut">
               <a:rPr lang="en-US" smtClean="0"/>
-              <a:t>9/2/23</a:t>
+              <a:t>9/4/23</a:t>
             </a:fld>
             <a:endParaRPr lang="en-US"/>
           </a:p>
@@ -1153,7 +1153,7 @@
           <a:p>
             <a:fld id="{545E632C-24CE-9E42-9D0E-D5A1AB065184}" type="datetimeFigureOut">
               <a:rPr lang="en-US" smtClean="0"/>
-              <a:t>9/2/23</a:t>
+              <a:t>9/4/23</a:t>
             </a:fld>
             <a:endParaRPr lang="en-US"/>
           </a:p>
@@ -1418,7 +1418,7 @@
           <a:p>
             <a:fld id="{545E632C-24CE-9E42-9D0E-D5A1AB065184}" type="datetimeFigureOut">
               <a:rPr lang="en-US" smtClean="0"/>
-              <a:t>9/2/23</a:t>
+              <a:t>9/4/23</a:t>
             </a:fld>
             <a:endParaRPr lang="en-US"/>
           </a:p>
@@ -1830,7 +1830,7 @@
           <a:p>
             <a:fld id="{545E632C-24CE-9E42-9D0E-D5A1AB065184}" type="datetimeFigureOut">
               <a:rPr lang="en-US" smtClean="0"/>
-              <a:t>9/2/23</a:t>
+              <a:t>9/4/23</a:t>
             </a:fld>
             <a:endParaRPr lang="en-US"/>
           </a:p>
@@ -1971,7 +1971,7 @@
           <a:p>
             <a:fld id="{545E632C-24CE-9E42-9D0E-D5A1AB065184}" type="datetimeFigureOut">
               <a:rPr lang="en-US" smtClean="0"/>
-              <a:t>9/2/23</a:t>
+              <a:t>9/4/23</a:t>
             </a:fld>
             <a:endParaRPr lang="en-US"/>
           </a:p>
@@ -2084,7 +2084,7 @@
           <a:p>
             <a:fld id="{545E632C-24CE-9E42-9D0E-D5A1AB065184}" type="datetimeFigureOut">
               <a:rPr lang="en-US" smtClean="0"/>
-              <a:t>9/2/23</a:t>
+              <a:t>9/4/23</a:t>
             </a:fld>
             <a:endParaRPr lang="en-US"/>
           </a:p>
@@ -2395,7 +2395,7 @@
           <a:p>
             <a:fld id="{545E632C-24CE-9E42-9D0E-D5A1AB065184}" type="datetimeFigureOut">
               <a:rPr lang="en-US" smtClean="0"/>
-              <a:t>9/2/23</a:t>
+              <a:t>9/4/23</a:t>
             </a:fld>
             <a:endParaRPr lang="en-US"/>
           </a:p>
@@ -2683,7 +2683,7 @@
           <a:p>
             <a:fld id="{545E632C-24CE-9E42-9D0E-D5A1AB065184}" type="datetimeFigureOut">
               <a:rPr lang="en-US" smtClean="0"/>
-              <a:t>9/2/23</a:t>
+              <a:t>9/4/23</a:t>
             </a:fld>
             <a:endParaRPr lang="en-US"/>
           </a:p>
@@ -2924,7 +2924,7 @@
           <a:p>
             <a:fld id="{545E632C-24CE-9E42-9D0E-D5A1AB065184}" type="datetimeFigureOut">
               <a:rPr lang="en-US" smtClean="0"/>
-              <a:t>9/2/23</a:t>
+              <a:t>9/4/23</a:t>
             </a:fld>
             <a:endParaRPr lang="en-US"/>
           </a:p>
@@ -5528,8 +5528,8 @@
           </a:fontRef>
         </p:style>
       </p:cxnSp>
-      <mc:AlternateContent xmlns:mc="http://schemas.openxmlformats.org/markup-compatibility/2006">
-        <mc:Choice xmlns:a14="http://schemas.microsoft.com/office/drawing/2010/main" Requires="a14">
+      <mc:AlternateContent xmlns:mc="http://schemas.openxmlformats.org/markup-compatibility/2006" xmlns:a14="http://schemas.microsoft.com/office/drawing/2010/main">
+        <mc:Choice Requires="a14">
           <p:sp>
             <p:nvSpPr>
               <p:cNvPr id="53" name="Oval 52">
@@ -5619,7 +5619,7 @@
             </p:txBody>
           </p:sp>
         </mc:Choice>
-        <mc:Fallback>
+        <mc:Fallback xmlns="">
           <p:sp>
             <p:nvSpPr>
               <p:cNvPr id="53" name="Oval 52">
@@ -5664,8 +5664,8 @@
           </p:sp>
         </mc:Fallback>
       </mc:AlternateContent>
-      <mc:AlternateContent xmlns:mc="http://schemas.openxmlformats.org/markup-compatibility/2006">
-        <mc:Choice xmlns:a14="http://schemas.microsoft.com/office/drawing/2010/main" Requires="a14">
+      <mc:AlternateContent xmlns:mc="http://schemas.openxmlformats.org/markup-compatibility/2006" xmlns:a14="http://schemas.microsoft.com/office/drawing/2010/main">
+        <mc:Choice Requires="a14">
           <p:sp>
             <p:nvSpPr>
               <p:cNvPr id="54" name="Oval 53">
@@ -5743,19 +5743,7 @@
                             <a:rPr lang="en-US" sz="1600" b="0" i="1" smtClean="0">
                               <a:latin typeface="Cambria Math" panose="02040503050406030204" pitchFamily="18" charset="0"/>
                             </a:rPr>
-                            <m:t>(</m:t>
-                          </m:r>
-                          <m:r>
-                            <a:rPr lang="en-US" sz="1600" b="0" i="1" smtClean="0">
-                              <a:latin typeface="Cambria Math" panose="02040503050406030204" pitchFamily="18" charset="0"/>
-                            </a:rPr>
-                            <m:t>2</m:t>
-                          </m:r>
-                          <m:r>
-                            <a:rPr lang="en-US" sz="1600" b="0" i="1" smtClean="0">
-                              <a:latin typeface="Cambria Math" panose="02040503050406030204" pitchFamily="18" charset="0"/>
-                            </a:rPr>
-                            <m:t>)</m:t>
+                            <m:t>(2)</m:t>
                           </m:r>
                         </m:sup>
                       </m:sSubSup>
@@ -5767,7 +5755,7 @@
             </p:txBody>
           </p:sp>
         </mc:Choice>
-        <mc:Fallback>
+        <mc:Fallback xmlns="">
           <p:sp>
             <p:nvSpPr>
               <p:cNvPr id="54" name="Oval 53">
@@ -5812,8 +5800,8 @@
           </p:sp>
         </mc:Fallback>
       </mc:AlternateContent>
-      <mc:AlternateContent xmlns:mc="http://schemas.openxmlformats.org/markup-compatibility/2006">
-        <mc:Choice xmlns:a14="http://schemas.microsoft.com/office/drawing/2010/main" Requires="a14">
+      <mc:AlternateContent xmlns:mc="http://schemas.openxmlformats.org/markup-compatibility/2006" xmlns:a14="http://schemas.microsoft.com/office/drawing/2010/main">
+        <mc:Choice Requires="a14">
           <p:sp>
             <p:nvSpPr>
               <p:cNvPr id="56" name="Oval 55">
@@ -5903,7 +5891,7 @@
             </p:txBody>
           </p:sp>
         </mc:Choice>
-        <mc:Fallback>
+        <mc:Fallback xmlns="">
           <p:sp>
             <p:nvSpPr>
               <p:cNvPr id="56" name="Oval 55">
@@ -5948,8 +5936,8 @@
           </p:sp>
         </mc:Fallback>
       </mc:AlternateContent>
-      <mc:AlternateContent xmlns:mc="http://schemas.openxmlformats.org/markup-compatibility/2006">
-        <mc:Choice xmlns:a14="http://schemas.microsoft.com/office/drawing/2010/main" Requires="a14">
+      <mc:AlternateContent xmlns:mc="http://schemas.openxmlformats.org/markup-compatibility/2006" xmlns:a14="http://schemas.microsoft.com/office/drawing/2010/main">
+        <mc:Choice Requires="a14">
           <p:sp>
             <p:nvSpPr>
               <p:cNvPr id="57" name="Oval 56">
@@ -6027,19 +6015,7 @@
                             <a:rPr lang="en-US" sz="1600" b="0" i="1" smtClean="0">
                               <a:latin typeface="Cambria Math" panose="02040503050406030204" pitchFamily="18" charset="0"/>
                             </a:rPr>
-                            <m:t>(</m:t>
-                          </m:r>
-                          <m:r>
-                            <a:rPr lang="en-US" sz="1600" b="0" i="1" smtClean="0">
-                              <a:latin typeface="Cambria Math" panose="02040503050406030204" pitchFamily="18" charset="0"/>
-                            </a:rPr>
-                            <m:t>2</m:t>
-                          </m:r>
-                          <m:r>
-                            <a:rPr lang="en-US" sz="1600" b="0" i="1" smtClean="0">
-                              <a:latin typeface="Cambria Math" panose="02040503050406030204" pitchFamily="18" charset="0"/>
-                            </a:rPr>
-                            <m:t>)</m:t>
+                            <m:t>(2)</m:t>
                           </m:r>
                         </m:sup>
                       </m:sSubSup>
@@ -6051,7 +6027,7 @@
             </p:txBody>
           </p:sp>
         </mc:Choice>
-        <mc:Fallback>
+        <mc:Fallback xmlns="">
           <p:sp>
             <p:nvSpPr>
               <p:cNvPr id="57" name="Oval 56">
@@ -6096,8 +6072,8 @@
           </p:sp>
         </mc:Fallback>
       </mc:AlternateContent>
-      <mc:AlternateContent xmlns:mc="http://schemas.openxmlformats.org/markup-compatibility/2006">
-        <mc:Choice xmlns:a14="http://schemas.microsoft.com/office/drawing/2010/main" Requires="a14">
+      <mc:AlternateContent xmlns:mc="http://schemas.openxmlformats.org/markup-compatibility/2006" xmlns:a14="http://schemas.microsoft.com/office/drawing/2010/main">
+        <mc:Choice Requires="a14">
           <p:sp>
             <p:nvSpPr>
               <p:cNvPr id="58" name="Oval 57">
@@ -6160,7 +6136,7 @@
             </p:txBody>
           </p:sp>
         </mc:Choice>
-        <mc:Fallback>
+        <mc:Fallback xmlns="">
           <p:sp>
             <p:nvSpPr>
               <p:cNvPr id="58" name="Oval 57">
@@ -7984,8 +7960,8 @@
           <a:chExt cx="0" cy="0"/>
         </a:xfrm>
       </p:grpSpPr>
-      <mc:AlternateContent xmlns:mc="http://schemas.openxmlformats.org/markup-compatibility/2006">
-        <mc:Choice xmlns:a14="http://schemas.microsoft.com/office/drawing/2010/main" Requires="a14">
+      <mc:AlternateContent xmlns:mc="http://schemas.openxmlformats.org/markup-compatibility/2006" xmlns:a14="http://schemas.microsoft.com/office/drawing/2010/main">
+        <mc:Choice Requires="a14">
           <p:sp>
             <p:nvSpPr>
               <p:cNvPr id="58" name="Oval 57">
@@ -8075,7 +8051,7 @@
             </p:txBody>
           </p:sp>
         </mc:Choice>
-        <mc:Fallback>
+        <mc:Fallback xmlns="">
           <p:sp>
             <p:nvSpPr>
               <p:cNvPr id="58" name="Oval 57">
@@ -8120,8 +8096,8 @@
           </p:sp>
         </mc:Fallback>
       </mc:AlternateContent>
-      <mc:AlternateContent xmlns:mc="http://schemas.openxmlformats.org/markup-compatibility/2006">
-        <mc:Choice xmlns:a14="http://schemas.microsoft.com/office/drawing/2010/main" Requires="a14">
+      <mc:AlternateContent xmlns:mc="http://schemas.openxmlformats.org/markup-compatibility/2006" xmlns:a14="http://schemas.microsoft.com/office/drawing/2010/main">
+        <mc:Choice Requires="a14">
           <p:sp>
             <p:nvSpPr>
               <p:cNvPr id="59" name="Oval 58">
@@ -8199,19 +8175,7 @@
                             <a:rPr lang="en-US" sz="1600" b="0" i="1" smtClean="0">
                               <a:latin typeface="Cambria Math" panose="02040503050406030204" pitchFamily="18" charset="0"/>
                             </a:rPr>
-                            <m:t>(</m:t>
-                          </m:r>
-                          <m:r>
-                            <a:rPr lang="en-US" sz="1600" b="0" i="1" smtClean="0">
-                              <a:latin typeface="Cambria Math" panose="02040503050406030204" pitchFamily="18" charset="0"/>
-                            </a:rPr>
-                            <m:t>2</m:t>
-                          </m:r>
-                          <m:r>
-                            <a:rPr lang="en-US" sz="1600" b="0" i="1" smtClean="0">
-                              <a:latin typeface="Cambria Math" panose="02040503050406030204" pitchFamily="18" charset="0"/>
-                            </a:rPr>
-                            <m:t>)</m:t>
+                            <m:t>(2)</m:t>
                           </m:r>
                         </m:sup>
                       </m:sSubSup>
@@ -8223,7 +8187,7 @@
             </p:txBody>
           </p:sp>
         </mc:Choice>
-        <mc:Fallback>
+        <mc:Fallback xmlns="">
           <p:sp>
             <p:nvSpPr>
               <p:cNvPr id="59" name="Oval 58">
@@ -8268,8 +8232,8 @@
           </p:sp>
         </mc:Fallback>
       </mc:AlternateContent>
-      <mc:AlternateContent xmlns:mc="http://schemas.openxmlformats.org/markup-compatibility/2006">
-        <mc:Choice xmlns:a14="http://schemas.microsoft.com/office/drawing/2010/main" Requires="a14">
+      <mc:AlternateContent xmlns:mc="http://schemas.openxmlformats.org/markup-compatibility/2006" xmlns:a14="http://schemas.microsoft.com/office/drawing/2010/main">
+        <mc:Choice Requires="a14">
           <p:sp>
             <p:nvSpPr>
               <p:cNvPr id="60" name="Oval 59">
@@ -8359,7 +8323,7 @@
             </p:txBody>
           </p:sp>
         </mc:Choice>
-        <mc:Fallback>
+        <mc:Fallback xmlns="">
           <p:sp>
             <p:nvSpPr>
               <p:cNvPr id="60" name="Oval 59">
@@ -8404,8 +8368,8 @@
           </p:sp>
         </mc:Fallback>
       </mc:AlternateContent>
-      <mc:AlternateContent xmlns:mc="http://schemas.openxmlformats.org/markup-compatibility/2006">
-        <mc:Choice xmlns:a14="http://schemas.microsoft.com/office/drawing/2010/main" Requires="a14">
+      <mc:AlternateContent xmlns:mc="http://schemas.openxmlformats.org/markup-compatibility/2006" xmlns:a14="http://schemas.microsoft.com/office/drawing/2010/main">
+        <mc:Choice Requires="a14">
           <p:sp>
             <p:nvSpPr>
               <p:cNvPr id="61" name="Oval 60">
@@ -8483,19 +8447,7 @@
                             <a:rPr lang="en-US" sz="1600" b="0" i="1" smtClean="0">
                               <a:latin typeface="Cambria Math" panose="02040503050406030204" pitchFamily="18" charset="0"/>
                             </a:rPr>
-                            <m:t>(</m:t>
-                          </m:r>
-                          <m:r>
-                            <a:rPr lang="en-US" sz="1600" b="0" i="1" smtClean="0">
-                              <a:latin typeface="Cambria Math" panose="02040503050406030204" pitchFamily="18" charset="0"/>
-                            </a:rPr>
-                            <m:t>2</m:t>
-                          </m:r>
-                          <m:r>
-                            <a:rPr lang="en-US" sz="1600" b="0" i="1" smtClean="0">
-                              <a:latin typeface="Cambria Math" panose="02040503050406030204" pitchFamily="18" charset="0"/>
-                            </a:rPr>
-                            <m:t>)</m:t>
+                            <m:t>(2)</m:t>
                           </m:r>
                         </m:sup>
                       </m:sSubSup>
@@ -8507,7 +8459,7 @@
             </p:txBody>
           </p:sp>
         </mc:Choice>
-        <mc:Fallback>
+        <mc:Fallback xmlns="">
           <p:sp>
             <p:nvSpPr>
               <p:cNvPr id="61" name="Oval 60">
@@ -8552,8 +8504,8 @@
           </p:sp>
         </mc:Fallback>
       </mc:AlternateContent>
-      <mc:AlternateContent xmlns:mc="http://schemas.openxmlformats.org/markup-compatibility/2006">
-        <mc:Choice xmlns:a14="http://schemas.microsoft.com/office/drawing/2010/main" Requires="a14">
+      <mc:AlternateContent xmlns:mc="http://schemas.openxmlformats.org/markup-compatibility/2006" xmlns:a14="http://schemas.microsoft.com/office/drawing/2010/main">
+        <mc:Choice Requires="a14">
           <p:sp>
             <p:nvSpPr>
               <p:cNvPr id="62" name="Oval 61">
@@ -8616,7 +8568,7 @@
             </p:txBody>
           </p:sp>
         </mc:Choice>
-        <mc:Fallback>
+        <mc:Fallback xmlns="">
           <p:sp>
             <p:nvSpPr>
               <p:cNvPr id="62" name="Oval 61">
@@ -10590,8 +10542,8 @@
           <a:chExt cx="0" cy="0"/>
         </a:xfrm>
       </p:grpSpPr>
-      <mc:AlternateContent xmlns:mc="http://schemas.openxmlformats.org/markup-compatibility/2006">
-        <mc:Choice xmlns:a14="http://schemas.microsoft.com/office/drawing/2010/main" Requires="a14">
+      <mc:AlternateContent xmlns:mc="http://schemas.openxmlformats.org/markup-compatibility/2006" xmlns:a14="http://schemas.microsoft.com/office/drawing/2010/main">
+        <mc:Choice Requires="a14">
           <p:sp>
             <p:nvSpPr>
               <p:cNvPr id="4" name="Oval 3">
@@ -10681,7 +10633,7 @@
             </p:txBody>
           </p:sp>
         </mc:Choice>
-        <mc:Fallback>
+        <mc:Fallback xmlns="">
           <p:sp>
             <p:nvSpPr>
               <p:cNvPr id="4" name="Oval 3">
@@ -10726,8 +10678,8 @@
           </p:sp>
         </mc:Fallback>
       </mc:AlternateContent>
-      <mc:AlternateContent xmlns:mc="http://schemas.openxmlformats.org/markup-compatibility/2006">
-        <mc:Choice xmlns:a14="http://schemas.microsoft.com/office/drawing/2010/main" Requires="a14">
+      <mc:AlternateContent xmlns:mc="http://schemas.openxmlformats.org/markup-compatibility/2006" xmlns:a14="http://schemas.microsoft.com/office/drawing/2010/main">
+        <mc:Choice Requires="a14">
           <p:sp>
             <p:nvSpPr>
               <p:cNvPr id="5" name="Oval 4">
@@ -10805,19 +10757,7 @@
                             <a:rPr lang="en-US" sz="1600" b="0" i="1" smtClean="0">
                               <a:latin typeface="Cambria Math" panose="02040503050406030204" pitchFamily="18" charset="0"/>
                             </a:rPr>
-                            <m:t>(</m:t>
-                          </m:r>
-                          <m:r>
-                            <a:rPr lang="en-US" sz="1600" b="0" i="1" smtClean="0">
-                              <a:latin typeface="Cambria Math" panose="02040503050406030204" pitchFamily="18" charset="0"/>
-                            </a:rPr>
-                            <m:t>2</m:t>
-                          </m:r>
-                          <m:r>
-                            <a:rPr lang="en-US" sz="1600" b="0" i="1" smtClean="0">
-                              <a:latin typeface="Cambria Math" panose="02040503050406030204" pitchFamily="18" charset="0"/>
-                            </a:rPr>
-                            <m:t>)</m:t>
+                            <m:t>(2)</m:t>
                           </m:r>
                         </m:sup>
                       </m:sSubSup>
@@ -10829,7 +10769,7 @@
             </p:txBody>
           </p:sp>
         </mc:Choice>
-        <mc:Fallback>
+        <mc:Fallback xmlns="">
           <p:sp>
             <p:nvSpPr>
               <p:cNvPr id="5" name="Oval 4">
@@ -10874,8 +10814,8 @@
           </p:sp>
         </mc:Fallback>
       </mc:AlternateContent>
-      <mc:AlternateContent xmlns:mc="http://schemas.openxmlformats.org/markup-compatibility/2006">
-        <mc:Choice xmlns:a14="http://schemas.microsoft.com/office/drawing/2010/main" Requires="a14">
+      <mc:AlternateContent xmlns:mc="http://schemas.openxmlformats.org/markup-compatibility/2006" xmlns:a14="http://schemas.microsoft.com/office/drawing/2010/main">
+        <mc:Choice Requires="a14">
           <p:sp>
             <p:nvSpPr>
               <p:cNvPr id="6" name="Oval 5">
@@ -10965,7 +10905,7 @@
             </p:txBody>
           </p:sp>
         </mc:Choice>
-        <mc:Fallback>
+        <mc:Fallback xmlns="">
           <p:sp>
             <p:nvSpPr>
               <p:cNvPr id="6" name="Oval 5">
@@ -11010,8 +10950,8 @@
           </p:sp>
         </mc:Fallback>
       </mc:AlternateContent>
-      <mc:AlternateContent xmlns:mc="http://schemas.openxmlformats.org/markup-compatibility/2006">
-        <mc:Choice xmlns:a14="http://schemas.microsoft.com/office/drawing/2010/main" Requires="a14">
+      <mc:AlternateContent xmlns:mc="http://schemas.openxmlformats.org/markup-compatibility/2006" xmlns:a14="http://schemas.microsoft.com/office/drawing/2010/main">
+        <mc:Choice Requires="a14">
           <p:sp>
             <p:nvSpPr>
               <p:cNvPr id="7" name="Oval 6">
@@ -11089,19 +11029,7 @@
                             <a:rPr lang="en-US" sz="1600" b="0" i="1" smtClean="0">
                               <a:latin typeface="Cambria Math" panose="02040503050406030204" pitchFamily="18" charset="0"/>
                             </a:rPr>
-                            <m:t>(</m:t>
-                          </m:r>
-                          <m:r>
-                            <a:rPr lang="en-US" sz="1600" b="0" i="1" smtClean="0">
-                              <a:latin typeface="Cambria Math" panose="02040503050406030204" pitchFamily="18" charset="0"/>
-                            </a:rPr>
-                            <m:t>2</m:t>
-                          </m:r>
-                          <m:r>
-                            <a:rPr lang="en-US" sz="1600" b="0" i="1" smtClean="0">
-                              <a:latin typeface="Cambria Math" panose="02040503050406030204" pitchFamily="18" charset="0"/>
-                            </a:rPr>
-                            <m:t>)</m:t>
+                            <m:t>(2)</m:t>
                           </m:r>
                         </m:sup>
                       </m:sSubSup>
@@ -11113,7 +11041,7 @@
             </p:txBody>
           </p:sp>
         </mc:Choice>
-        <mc:Fallback>
+        <mc:Fallback xmlns="">
           <p:sp>
             <p:nvSpPr>
               <p:cNvPr id="7" name="Oval 6">
@@ -11158,8 +11086,8 @@
           </p:sp>
         </mc:Fallback>
       </mc:AlternateContent>
-      <mc:AlternateContent xmlns:mc="http://schemas.openxmlformats.org/markup-compatibility/2006">
-        <mc:Choice xmlns:a14="http://schemas.microsoft.com/office/drawing/2010/main" Requires="a14">
+      <mc:AlternateContent xmlns:mc="http://schemas.openxmlformats.org/markup-compatibility/2006" xmlns:a14="http://schemas.microsoft.com/office/drawing/2010/main">
+        <mc:Choice Requires="a14">
           <p:sp>
             <p:nvSpPr>
               <p:cNvPr id="8" name="Oval 7">
@@ -11222,7 +11150,7 @@
             </p:txBody>
           </p:sp>
         </mc:Choice>
-        <mc:Fallback>
+        <mc:Fallback xmlns="">
           <p:sp>
             <p:nvSpPr>
               <p:cNvPr id="8" name="Oval 7">
@@ -13253,8 +13181,8 @@
           <a:chExt cx="0" cy="0"/>
         </a:xfrm>
       </p:grpSpPr>
-      <mc:AlternateContent xmlns:mc="http://schemas.openxmlformats.org/markup-compatibility/2006">
-        <mc:Choice xmlns:a14="http://schemas.microsoft.com/office/drawing/2010/main" Requires="a14">
+      <mc:AlternateContent xmlns:mc="http://schemas.openxmlformats.org/markup-compatibility/2006" xmlns:a14="http://schemas.microsoft.com/office/drawing/2010/main">
+        <mc:Choice Requires="a14">
           <p:sp>
             <p:nvSpPr>
               <p:cNvPr id="4" name="Oval 3">
@@ -13344,7 +13272,7 @@
             </p:txBody>
           </p:sp>
         </mc:Choice>
-        <mc:Fallback>
+        <mc:Fallback xmlns="">
           <p:sp>
             <p:nvSpPr>
               <p:cNvPr id="4" name="Oval 3">
@@ -13389,8 +13317,8 @@
           </p:sp>
         </mc:Fallback>
       </mc:AlternateContent>
-      <mc:AlternateContent xmlns:mc="http://schemas.openxmlformats.org/markup-compatibility/2006">
-        <mc:Choice xmlns:a14="http://schemas.microsoft.com/office/drawing/2010/main" Requires="a14">
+      <mc:AlternateContent xmlns:mc="http://schemas.openxmlformats.org/markup-compatibility/2006" xmlns:a14="http://schemas.microsoft.com/office/drawing/2010/main">
+        <mc:Choice Requires="a14">
           <p:sp>
             <p:nvSpPr>
               <p:cNvPr id="5" name="Oval 4">
@@ -13468,19 +13396,7 @@
                             <a:rPr lang="en-US" sz="1600" b="0" i="1" smtClean="0">
                               <a:latin typeface="Cambria Math" panose="02040503050406030204" pitchFamily="18" charset="0"/>
                             </a:rPr>
-                            <m:t>(</m:t>
-                          </m:r>
-                          <m:r>
-                            <a:rPr lang="en-US" sz="1600" b="0" i="1" smtClean="0">
-                              <a:latin typeface="Cambria Math" panose="02040503050406030204" pitchFamily="18" charset="0"/>
-                            </a:rPr>
-                            <m:t>2</m:t>
-                          </m:r>
-                          <m:r>
-                            <a:rPr lang="en-US" sz="1600" b="0" i="1" smtClean="0">
-                              <a:latin typeface="Cambria Math" panose="02040503050406030204" pitchFamily="18" charset="0"/>
-                            </a:rPr>
-                            <m:t>)</m:t>
+                            <m:t>(2)</m:t>
                           </m:r>
                         </m:sup>
                       </m:sSubSup>
@@ -13492,7 +13408,7 @@
             </p:txBody>
           </p:sp>
         </mc:Choice>
-        <mc:Fallback>
+        <mc:Fallback xmlns="">
           <p:sp>
             <p:nvSpPr>
               <p:cNvPr id="5" name="Oval 4">
@@ -13537,8 +13453,8 @@
           </p:sp>
         </mc:Fallback>
       </mc:AlternateContent>
-      <mc:AlternateContent xmlns:mc="http://schemas.openxmlformats.org/markup-compatibility/2006">
-        <mc:Choice xmlns:a14="http://schemas.microsoft.com/office/drawing/2010/main" Requires="a14">
+      <mc:AlternateContent xmlns:mc="http://schemas.openxmlformats.org/markup-compatibility/2006" xmlns:a14="http://schemas.microsoft.com/office/drawing/2010/main">
+        <mc:Choice Requires="a14">
           <p:sp>
             <p:nvSpPr>
               <p:cNvPr id="6" name="Oval 5">
@@ -13628,7 +13544,7 @@
             </p:txBody>
           </p:sp>
         </mc:Choice>
-        <mc:Fallback>
+        <mc:Fallback xmlns="">
           <p:sp>
             <p:nvSpPr>
               <p:cNvPr id="6" name="Oval 5">
@@ -13673,8 +13589,8 @@
           </p:sp>
         </mc:Fallback>
       </mc:AlternateContent>
-      <mc:AlternateContent xmlns:mc="http://schemas.openxmlformats.org/markup-compatibility/2006">
-        <mc:Choice xmlns:a14="http://schemas.microsoft.com/office/drawing/2010/main" Requires="a14">
+      <mc:AlternateContent xmlns:mc="http://schemas.openxmlformats.org/markup-compatibility/2006" xmlns:a14="http://schemas.microsoft.com/office/drawing/2010/main">
+        <mc:Choice Requires="a14">
           <p:sp>
             <p:nvSpPr>
               <p:cNvPr id="7" name="Oval 6">
@@ -13752,19 +13668,7 @@
                             <a:rPr lang="en-US" sz="1600" b="0" i="1" smtClean="0">
                               <a:latin typeface="Cambria Math" panose="02040503050406030204" pitchFamily="18" charset="0"/>
                             </a:rPr>
-                            <m:t>(</m:t>
-                          </m:r>
-                          <m:r>
-                            <a:rPr lang="en-US" sz="1600" b="0" i="1" smtClean="0">
-                              <a:latin typeface="Cambria Math" panose="02040503050406030204" pitchFamily="18" charset="0"/>
-                            </a:rPr>
-                            <m:t>2</m:t>
-                          </m:r>
-                          <m:r>
-                            <a:rPr lang="en-US" sz="1600" b="0" i="1" smtClean="0">
-                              <a:latin typeface="Cambria Math" panose="02040503050406030204" pitchFamily="18" charset="0"/>
-                            </a:rPr>
-                            <m:t>)</m:t>
+                            <m:t>(2)</m:t>
                           </m:r>
                         </m:sup>
                       </m:sSubSup>
@@ -13776,7 +13680,7 @@
             </p:txBody>
           </p:sp>
         </mc:Choice>
-        <mc:Fallback>
+        <mc:Fallback xmlns="">
           <p:sp>
             <p:nvSpPr>
               <p:cNvPr id="7" name="Oval 6">
@@ -13821,8 +13725,8 @@
           </p:sp>
         </mc:Fallback>
       </mc:AlternateContent>
-      <mc:AlternateContent xmlns:mc="http://schemas.openxmlformats.org/markup-compatibility/2006">
-        <mc:Choice xmlns:a14="http://schemas.microsoft.com/office/drawing/2010/main" Requires="a14">
+      <mc:AlternateContent xmlns:mc="http://schemas.openxmlformats.org/markup-compatibility/2006" xmlns:a14="http://schemas.microsoft.com/office/drawing/2010/main">
+        <mc:Choice Requires="a14">
           <p:sp>
             <p:nvSpPr>
               <p:cNvPr id="8" name="Oval 7">
@@ -13885,7 +13789,7 @@
             </p:txBody>
           </p:sp>
         </mc:Choice>
-        <mc:Fallback>
+        <mc:Fallback xmlns="">
           <p:sp>
             <p:nvSpPr>
               <p:cNvPr id="8" name="Oval 7">
@@ -16196,8 +16100,8 @@
           <a:chExt cx="0" cy="0"/>
         </a:xfrm>
       </p:grpSpPr>
-      <mc:AlternateContent xmlns:mc="http://schemas.openxmlformats.org/markup-compatibility/2006">
-        <mc:Choice xmlns:a14="http://schemas.microsoft.com/office/drawing/2010/main" Requires="a14">
+      <mc:AlternateContent xmlns:mc="http://schemas.openxmlformats.org/markup-compatibility/2006" xmlns:a14="http://schemas.microsoft.com/office/drawing/2010/main">
+        <mc:Choice Requires="a14">
           <p:sp>
             <p:nvSpPr>
               <p:cNvPr id="4" name="Oval 3">
@@ -16287,7 +16191,7 @@
             </p:txBody>
           </p:sp>
         </mc:Choice>
-        <mc:Fallback>
+        <mc:Fallback xmlns="">
           <p:sp>
             <p:nvSpPr>
               <p:cNvPr id="4" name="Oval 3">
@@ -16332,8 +16236,8 @@
           </p:sp>
         </mc:Fallback>
       </mc:AlternateContent>
-      <mc:AlternateContent xmlns:mc="http://schemas.openxmlformats.org/markup-compatibility/2006">
-        <mc:Choice xmlns:a14="http://schemas.microsoft.com/office/drawing/2010/main" Requires="a14">
+      <mc:AlternateContent xmlns:mc="http://schemas.openxmlformats.org/markup-compatibility/2006" xmlns:a14="http://schemas.microsoft.com/office/drawing/2010/main">
+        <mc:Choice Requires="a14">
           <p:sp>
             <p:nvSpPr>
               <p:cNvPr id="5" name="Oval 4">
@@ -16411,19 +16315,7 @@
                             <a:rPr lang="en-US" sz="1600" b="0" i="1" smtClean="0">
                               <a:latin typeface="Cambria Math" panose="02040503050406030204" pitchFamily="18" charset="0"/>
                             </a:rPr>
-                            <m:t>(</m:t>
-                          </m:r>
-                          <m:r>
-                            <a:rPr lang="en-US" sz="1600" b="0" i="1" smtClean="0">
-                              <a:latin typeface="Cambria Math" panose="02040503050406030204" pitchFamily="18" charset="0"/>
-                            </a:rPr>
-                            <m:t>2</m:t>
-                          </m:r>
-                          <m:r>
-                            <a:rPr lang="en-US" sz="1600" b="0" i="1" smtClean="0">
-                              <a:latin typeface="Cambria Math" panose="02040503050406030204" pitchFamily="18" charset="0"/>
-                            </a:rPr>
-                            <m:t>)</m:t>
+                            <m:t>(2)</m:t>
                           </m:r>
                         </m:sup>
                       </m:sSubSup>
@@ -16435,7 +16327,7 @@
             </p:txBody>
           </p:sp>
         </mc:Choice>
-        <mc:Fallback>
+        <mc:Fallback xmlns="">
           <p:sp>
             <p:nvSpPr>
               <p:cNvPr id="5" name="Oval 4">
@@ -16480,8 +16372,8 @@
           </p:sp>
         </mc:Fallback>
       </mc:AlternateContent>
-      <mc:AlternateContent xmlns:mc="http://schemas.openxmlformats.org/markup-compatibility/2006">
-        <mc:Choice xmlns:a14="http://schemas.microsoft.com/office/drawing/2010/main" Requires="a14">
+      <mc:AlternateContent xmlns:mc="http://schemas.openxmlformats.org/markup-compatibility/2006" xmlns:a14="http://schemas.microsoft.com/office/drawing/2010/main">
+        <mc:Choice Requires="a14">
           <p:sp>
             <p:nvSpPr>
               <p:cNvPr id="6" name="Oval 5">
@@ -16571,7 +16463,7 @@
             </p:txBody>
           </p:sp>
         </mc:Choice>
-        <mc:Fallback>
+        <mc:Fallback xmlns="">
           <p:sp>
             <p:nvSpPr>
               <p:cNvPr id="6" name="Oval 5">
@@ -16616,8 +16508,8 @@
           </p:sp>
         </mc:Fallback>
       </mc:AlternateContent>
-      <mc:AlternateContent xmlns:mc="http://schemas.openxmlformats.org/markup-compatibility/2006">
-        <mc:Choice xmlns:a14="http://schemas.microsoft.com/office/drawing/2010/main" Requires="a14">
+      <mc:AlternateContent xmlns:mc="http://schemas.openxmlformats.org/markup-compatibility/2006" xmlns:a14="http://schemas.microsoft.com/office/drawing/2010/main">
+        <mc:Choice Requires="a14">
           <p:sp>
             <p:nvSpPr>
               <p:cNvPr id="7" name="Oval 6">
@@ -16695,19 +16587,7 @@
                             <a:rPr lang="en-US" sz="1600" b="0" i="1" smtClean="0">
                               <a:latin typeface="Cambria Math" panose="02040503050406030204" pitchFamily="18" charset="0"/>
                             </a:rPr>
-                            <m:t>(</m:t>
-                          </m:r>
-                          <m:r>
-                            <a:rPr lang="en-US" sz="1600" b="0" i="1" smtClean="0">
-                              <a:latin typeface="Cambria Math" panose="02040503050406030204" pitchFamily="18" charset="0"/>
-                            </a:rPr>
-                            <m:t>2</m:t>
-                          </m:r>
-                          <m:r>
-                            <a:rPr lang="en-US" sz="1600" b="0" i="1" smtClean="0">
-                              <a:latin typeface="Cambria Math" panose="02040503050406030204" pitchFamily="18" charset="0"/>
-                            </a:rPr>
-                            <m:t>)</m:t>
+                            <m:t>(2)</m:t>
                           </m:r>
                         </m:sup>
                       </m:sSubSup>
@@ -16719,7 +16599,7 @@
             </p:txBody>
           </p:sp>
         </mc:Choice>
-        <mc:Fallback>
+        <mc:Fallback xmlns="">
           <p:sp>
             <p:nvSpPr>
               <p:cNvPr id="7" name="Oval 6">
@@ -16764,8 +16644,8 @@
           </p:sp>
         </mc:Fallback>
       </mc:AlternateContent>
-      <mc:AlternateContent xmlns:mc="http://schemas.openxmlformats.org/markup-compatibility/2006">
-        <mc:Choice xmlns:a14="http://schemas.microsoft.com/office/drawing/2010/main" Requires="a14">
+      <mc:AlternateContent xmlns:mc="http://schemas.openxmlformats.org/markup-compatibility/2006" xmlns:a14="http://schemas.microsoft.com/office/drawing/2010/main">
+        <mc:Choice Requires="a14">
           <p:sp>
             <p:nvSpPr>
               <p:cNvPr id="8" name="Oval 7">
@@ -16828,7 +16708,7 @@
             </p:txBody>
           </p:sp>
         </mc:Choice>
-        <mc:Fallback>
+        <mc:Fallback xmlns="">
           <p:sp>
             <p:nvSpPr>
               <p:cNvPr id="8" name="Oval 7">
@@ -19310,8 +19190,8 @@
           <a:chExt cx="0" cy="0"/>
         </a:xfrm>
       </p:grpSpPr>
-      <mc:AlternateContent xmlns:mc="http://schemas.openxmlformats.org/markup-compatibility/2006">
-        <mc:Choice xmlns:a14="http://schemas.microsoft.com/office/drawing/2010/main" Requires="a14">
+      <mc:AlternateContent xmlns:mc="http://schemas.openxmlformats.org/markup-compatibility/2006" xmlns:a14="http://schemas.microsoft.com/office/drawing/2010/main">
+        <mc:Choice Requires="a14">
           <p:sp>
             <p:nvSpPr>
               <p:cNvPr id="4" name="Oval 3">
@@ -19401,7 +19281,7 @@
             </p:txBody>
           </p:sp>
         </mc:Choice>
-        <mc:Fallback>
+        <mc:Fallback xmlns="">
           <p:sp>
             <p:nvSpPr>
               <p:cNvPr id="4" name="Oval 3">
@@ -19446,8 +19326,8 @@
           </p:sp>
         </mc:Fallback>
       </mc:AlternateContent>
-      <mc:AlternateContent xmlns:mc="http://schemas.openxmlformats.org/markup-compatibility/2006">
-        <mc:Choice xmlns:a14="http://schemas.microsoft.com/office/drawing/2010/main" Requires="a14">
+      <mc:AlternateContent xmlns:mc="http://schemas.openxmlformats.org/markup-compatibility/2006" xmlns:a14="http://schemas.microsoft.com/office/drawing/2010/main">
+        <mc:Choice Requires="a14">
           <p:sp>
             <p:nvSpPr>
               <p:cNvPr id="5" name="Oval 4">
@@ -19525,19 +19405,7 @@
                             <a:rPr lang="en-US" sz="1600" b="0" i="1" smtClean="0">
                               <a:latin typeface="Cambria Math" panose="02040503050406030204" pitchFamily="18" charset="0"/>
                             </a:rPr>
-                            <m:t>(</m:t>
-                          </m:r>
-                          <m:r>
-                            <a:rPr lang="en-US" sz="1600" b="0" i="1" smtClean="0">
-                              <a:latin typeface="Cambria Math" panose="02040503050406030204" pitchFamily="18" charset="0"/>
-                            </a:rPr>
-                            <m:t>2</m:t>
-                          </m:r>
-                          <m:r>
-                            <a:rPr lang="en-US" sz="1600" b="0" i="1" smtClean="0">
-                              <a:latin typeface="Cambria Math" panose="02040503050406030204" pitchFamily="18" charset="0"/>
-                            </a:rPr>
-                            <m:t>)</m:t>
+                            <m:t>(2)</m:t>
                           </m:r>
                         </m:sup>
                       </m:sSubSup>
@@ -19549,7 +19417,7 @@
             </p:txBody>
           </p:sp>
         </mc:Choice>
-        <mc:Fallback>
+        <mc:Fallback xmlns="">
           <p:sp>
             <p:nvSpPr>
               <p:cNvPr id="5" name="Oval 4">
@@ -19594,8 +19462,8 @@
           </p:sp>
         </mc:Fallback>
       </mc:AlternateContent>
-      <mc:AlternateContent xmlns:mc="http://schemas.openxmlformats.org/markup-compatibility/2006">
-        <mc:Choice xmlns:a14="http://schemas.microsoft.com/office/drawing/2010/main" Requires="a14">
+      <mc:AlternateContent xmlns:mc="http://schemas.openxmlformats.org/markup-compatibility/2006" xmlns:a14="http://schemas.microsoft.com/office/drawing/2010/main">
+        <mc:Choice Requires="a14">
           <p:sp>
             <p:nvSpPr>
               <p:cNvPr id="6" name="Oval 5">
@@ -19685,7 +19553,7 @@
             </p:txBody>
           </p:sp>
         </mc:Choice>
-        <mc:Fallback>
+        <mc:Fallback xmlns="">
           <p:sp>
             <p:nvSpPr>
               <p:cNvPr id="6" name="Oval 5">
@@ -19730,8 +19598,8 @@
           </p:sp>
         </mc:Fallback>
       </mc:AlternateContent>
-      <mc:AlternateContent xmlns:mc="http://schemas.openxmlformats.org/markup-compatibility/2006">
-        <mc:Choice xmlns:a14="http://schemas.microsoft.com/office/drawing/2010/main" Requires="a14">
+      <mc:AlternateContent xmlns:mc="http://schemas.openxmlformats.org/markup-compatibility/2006" xmlns:a14="http://schemas.microsoft.com/office/drawing/2010/main">
+        <mc:Choice Requires="a14">
           <p:sp>
             <p:nvSpPr>
               <p:cNvPr id="7" name="Oval 6">
@@ -19809,19 +19677,7 @@
                             <a:rPr lang="en-US" sz="1600" b="0" i="1" smtClean="0">
                               <a:latin typeface="Cambria Math" panose="02040503050406030204" pitchFamily="18" charset="0"/>
                             </a:rPr>
-                            <m:t>(</m:t>
-                          </m:r>
-                          <m:r>
-                            <a:rPr lang="en-US" sz="1600" b="0" i="1" smtClean="0">
-                              <a:latin typeface="Cambria Math" panose="02040503050406030204" pitchFamily="18" charset="0"/>
-                            </a:rPr>
-                            <m:t>2</m:t>
-                          </m:r>
-                          <m:r>
-                            <a:rPr lang="en-US" sz="1600" b="0" i="1" smtClean="0">
-                              <a:latin typeface="Cambria Math" panose="02040503050406030204" pitchFamily="18" charset="0"/>
-                            </a:rPr>
-                            <m:t>)</m:t>
+                            <m:t>(2)</m:t>
                           </m:r>
                         </m:sup>
                       </m:sSubSup>
@@ -19833,7 +19689,7 @@
             </p:txBody>
           </p:sp>
         </mc:Choice>
-        <mc:Fallback>
+        <mc:Fallback xmlns="">
           <p:sp>
             <p:nvSpPr>
               <p:cNvPr id="7" name="Oval 6">
@@ -19878,8 +19734,8 @@
           </p:sp>
         </mc:Fallback>
       </mc:AlternateContent>
-      <mc:AlternateContent xmlns:mc="http://schemas.openxmlformats.org/markup-compatibility/2006">
-        <mc:Choice xmlns:a14="http://schemas.microsoft.com/office/drawing/2010/main" Requires="a14">
+      <mc:AlternateContent xmlns:mc="http://schemas.openxmlformats.org/markup-compatibility/2006" xmlns:a14="http://schemas.microsoft.com/office/drawing/2010/main">
+        <mc:Choice Requires="a14">
           <p:sp>
             <p:nvSpPr>
               <p:cNvPr id="8" name="Oval 7">
@@ -19942,7 +19798,7 @@
             </p:txBody>
           </p:sp>
         </mc:Choice>
-        <mc:Fallback>
+        <mc:Fallback xmlns="">
           <p:sp>
             <p:nvSpPr>
               <p:cNvPr id="8" name="Oval 7">
